--- a/Eye of the Tiger - A Study of Artificial Life.pptx
+++ b/Eye of the Tiger - A Study of Artificial Life.pptx
@@ -113,6 +113,11 @@
       </a:defRPr>
     </a:lvl9pPr>
   </p:defaultTextStyle>
+  <p:extLst>
+    <p:ext uri="{EFAFB233-063F-42B5-8137-9DF3F51BA10A}">
+      <p15:sldGuideLst xmlns:p15="http://schemas.microsoft.com/office/powerpoint/2012/main"/>
+    </p:ext>
+  </p:extLst>
 </p:presentation>
 </file>
 
@@ -586,7 +591,7 @@
           <a:p>
             <a:fld id="{3DDA8C54-6AC2-4E87-B27E-34AAC011075A}" type="datetimeFigureOut">
               <a:rPr lang="en-US" smtClean="0"/>
-              <a:t>2/16/2016</a:t>
+              <a:t>2/17/2016</a:t>
             </a:fld>
             <a:endParaRPr lang="en-US"/>
           </a:p>
@@ -790,7 +795,7 @@
           <a:p>
             <a:fld id="{3DDA8C54-6AC2-4E87-B27E-34AAC011075A}" type="datetimeFigureOut">
               <a:rPr lang="en-US" smtClean="0"/>
-              <a:t>2/16/2016</a:t>
+              <a:t>2/17/2016</a:t>
             </a:fld>
             <a:endParaRPr lang="en-US"/>
           </a:p>
@@ -994,7 +999,7 @@
           <a:p>
             <a:fld id="{3DDA8C54-6AC2-4E87-B27E-34AAC011075A}" type="datetimeFigureOut">
               <a:rPr lang="en-US" smtClean="0"/>
-              <a:t>2/16/2016</a:t>
+              <a:t>2/17/2016</a:t>
             </a:fld>
             <a:endParaRPr lang="en-US"/>
           </a:p>
@@ -1200,7 +1205,7 @@
           <a:p>
             <a:fld id="{3DDA8C54-6AC2-4E87-B27E-34AAC011075A}" type="datetimeFigureOut">
               <a:rPr lang="en-US" smtClean="0"/>
-              <a:t>2/16/2016</a:t>
+              <a:t>2/17/2016</a:t>
             </a:fld>
             <a:endParaRPr lang="en-US"/>
           </a:p>
@@ -1798,7 +1803,7 @@
           <a:p>
             <a:fld id="{3DDA8C54-6AC2-4E87-B27E-34AAC011075A}" type="datetimeFigureOut">
               <a:rPr lang="en-US" smtClean="0"/>
-              <a:t>2/16/2016</a:t>
+              <a:t>2/17/2016</a:t>
             </a:fld>
             <a:endParaRPr lang="en-US"/>
           </a:p>
@@ -2120,7 +2125,7 @@
           <a:p>
             <a:fld id="{3DDA8C54-6AC2-4E87-B27E-34AAC011075A}" type="datetimeFigureOut">
               <a:rPr lang="en-US" smtClean="0"/>
-              <a:t>2/16/2016</a:t>
+              <a:t>2/17/2016</a:t>
             </a:fld>
             <a:endParaRPr lang="en-US"/>
           </a:p>
@@ -2586,7 +2591,7 @@
           <a:p>
             <a:fld id="{3DDA8C54-6AC2-4E87-B27E-34AAC011075A}" type="datetimeFigureOut">
               <a:rPr lang="en-US" smtClean="0"/>
-              <a:t>2/16/2016</a:t>
+              <a:t>2/17/2016</a:t>
             </a:fld>
             <a:endParaRPr lang="en-US"/>
           </a:p>
@@ -2733,7 +2738,7 @@
           <a:p>
             <a:fld id="{3DDA8C54-6AC2-4E87-B27E-34AAC011075A}" type="datetimeFigureOut">
               <a:rPr lang="en-US" smtClean="0"/>
-              <a:t>2/16/2016</a:t>
+              <a:t>2/17/2016</a:t>
             </a:fld>
             <a:endParaRPr lang="en-US"/>
           </a:p>
@@ -2852,7 +2857,7 @@
           <a:p>
             <a:fld id="{3DDA8C54-6AC2-4E87-B27E-34AAC011075A}" type="datetimeFigureOut">
               <a:rPr lang="en-US" smtClean="0"/>
-              <a:t>2/16/2016</a:t>
+              <a:t>2/17/2016</a:t>
             </a:fld>
             <a:endParaRPr lang="en-US"/>
           </a:p>
@@ -3275,7 +3280,7 @@
           <a:p>
             <a:fld id="{3DDA8C54-6AC2-4E87-B27E-34AAC011075A}" type="datetimeFigureOut">
               <a:rPr lang="en-US" smtClean="0"/>
-              <a:t>2/16/2016</a:t>
+              <a:t>2/17/2016</a:t>
             </a:fld>
             <a:endParaRPr lang="en-US"/>
           </a:p>
@@ -3722,7 +3727,7 @@
           <a:p>
             <a:fld id="{3DDA8C54-6AC2-4E87-B27E-34AAC011075A}" type="datetimeFigureOut">
               <a:rPr lang="en-US" smtClean="0"/>
-              <a:t>2/16/2016</a:t>
+              <a:t>2/17/2016</a:t>
             </a:fld>
             <a:endParaRPr lang="en-US"/>
           </a:p>
@@ -4017,7 +4022,7 @@
           <a:p>
             <a:fld id="{3DDA8C54-6AC2-4E87-B27E-34AAC011075A}" type="datetimeFigureOut">
               <a:rPr lang="en-US" smtClean="0"/>
-              <a:t>2/16/2016</a:t>
+              <a:t>2/17/2016</a:t>
             </a:fld>
             <a:endParaRPr lang="en-US"/>
           </a:p>
@@ -5372,7 +5377,12 @@
             <p:ph type="title"/>
           </p:nvPr>
         </p:nvSpPr>
-        <p:spPr/>
+        <p:spPr>
+          <a:xfrm>
+            <a:off x="9185189" y="603504"/>
+            <a:ext cx="2669060" cy="1645920"/>
+          </a:xfrm>
+        </p:spPr>
         <p:txBody>
           <a:bodyPr>
             <a:normAutofit/>
@@ -5380,10 +5390,10 @@
           <a:lstStyle/>
           <a:p>
             <a:r>
-              <a:rPr lang="en-US" sz="4000" dirty="0" smtClean="0"/>
+              <a:rPr lang="en-US" sz="3600" dirty="0" smtClean="0"/>
               <a:t>Population</a:t>
             </a:r>
-            <a:endParaRPr lang="en-US" sz="4000" dirty="0"/>
+            <a:endParaRPr lang="en-US" sz="3600" dirty="0"/>
           </a:p>
         </p:txBody>
       </p:sp>
@@ -5400,7 +5410,7 @@
         <p:spPr/>
         <p:txBody>
           <a:bodyPr>
-            <a:normAutofit lnSpcReduction="10000"/>
+            <a:normAutofit/>
           </a:bodyPr>
           <a:lstStyle/>
           <a:p>
@@ -5409,7 +5419,7 @@
               <a:buChar char="•"/>
             </a:pPr>
             <a:r>
-              <a:rPr lang="en-US" sz="2800" dirty="0" smtClean="0"/>
+              <a:rPr lang="en-US" sz="2400" dirty="0" smtClean="0"/>
               <a:t>Kept constant</a:t>
             </a:r>
           </a:p>
@@ -5419,7 +5429,7 @@
               <a:buChar char="•"/>
             </a:pPr>
             <a:r>
-              <a:rPr lang="en-US" sz="2800" dirty="0" smtClean="0"/>
+              <a:rPr lang="en-US" sz="2400" dirty="0" smtClean="0"/>
               <a:t>Under population</a:t>
             </a:r>
           </a:p>
@@ -5429,10 +5439,10 @@
               <a:buChar char="•"/>
             </a:pPr>
             <a:r>
-              <a:rPr lang="en-US" sz="2800" dirty="0" smtClean="0"/>
-              <a:t>Overpopulation </a:t>
-            </a:r>
-            <a:endParaRPr lang="en-US" sz="2800" dirty="0"/>
+              <a:rPr lang="en-US" sz="2400" dirty="0" smtClean="0"/>
+              <a:t>Over population </a:t>
+            </a:r>
+            <a:endParaRPr lang="en-US" sz="2400" dirty="0"/>
           </a:p>
         </p:txBody>
       </p:sp>
@@ -5589,7 +5599,7 @@
       </p:sp>
       <p:sp>
         <p:nvSpPr>
-          <p:cNvPr id="5" name="Content Placeholder 4"/>
+          <p:cNvPr id="3" name="Content Placeholder 2"/>
           <p:cNvSpPr>
             <a:spLocks noGrp="1"/>
           </p:cNvSpPr>
@@ -5602,7 +5612,7 @@
           <a:bodyPr/>
           <a:lstStyle/>
           <a:p>
-            <a:endParaRPr lang="en-US" dirty="0"/>
+            <a:endParaRPr lang="en-US"/>
           </a:p>
         </p:txBody>
       </p:sp>
